--- a/Presentation_thesis/Powerpoint.pptx
+++ b/Presentation_thesis/Powerpoint.pptx
@@ -221,7 +221,7 @@
           <a:p>
             <a:fld id="{54C7438F-64C8-DC42-8577-6D77C1DB98E8}" type="datetimeFigureOut">
               <a:rPr lang="en-US" smtClean="0"/>
-              <a:t>09/12/14</a:t>
+              <a:t>28/12/14</a:t>
             </a:fld>
             <a:endParaRPr lang="en-US"/>
           </a:p>
@@ -386,7 +386,7 @@
           <a:p>
             <a:fld id="{CB76250B-E696-9C46-8E60-ABF2BE3AE4B1}" type="datetimeFigureOut">
               <a:rPr lang="en-US" smtClean="0"/>
-              <a:t>09/12/14</a:t>
+              <a:t>28/12/14</a:t>
             </a:fld>
             <a:endParaRPr lang="en-US"/>
           </a:p>
@@ -6467,11 +6467,7 @@
             </a:r>
             <a:r>
               <a:rPr lang="en-US" baseline="0" dirty="0" smtClean="0"/>
-              <a:t> base de dados. </a:t>
-            </a:r>
-            <a:r>
-              <a:rPr lang="en-US" baseline="0" dirty="0" smtClean="0"/>
-              <a:t>A </a:t>
+              <a:t> base de dados. A </a:t>
             </a:r>
             <a:r>
               <a:rPr lang="en-US" baseline="0" dirty="0" err="1" smtClean="0"/>
@@ -6499,11 +6495,7 @@
             </a:r>
             <a:r>
               <a:rPr lang="en-US" baseline="0" dirty="0" err="1" smtClean="0"/>
-              <a:t>aplicaç</a:t>
-            </a:r>
-            <a:r>
-              <a:rPr lang="en-US" baseline="0" dirty="0" err="1" smtClean="0"/>
-              <a:t>ão</a:t>
+              <a:t>aplicação</a:t>
             </a:r>
             <a:r>
               <a:rPr lang="en-US" baseline="0" dirty="0" smtClean="0"/>
@@ -8204,7 +8196,7 @@
             <a:fld id="{59002505-A061-D046-899F-B5245B6264B9}" type="datetimeFigureOut">
               <a:rPr lang="en-US" smtClean="0"/>
               <a:pPr/>
-              <a:t>09/12/14</a:t>
+              <a:t>28/12/14</a:t>
             </a:fld>
             <a:endParaRPr lang="en-US"/>
           </a:p>
@@ -20234,15 +20226,7 @@
             </a:pPr>
             <a:r>
               <a:rPr lang="en-US" dirty="0" smtClean="0"/>
-              <a:t>Develop an Intrusion Recovery </a:t>
-            </a:r>
-            <a:r>
-              <a:rPr lang="en-US" dirty="0" smtClean="0"/>
-              <a:t>System </a:t>
-            </a:r>
-            <a:r>
-              <a:rPr lang="en-US" dirty="0" smtClean="0"/>
-              <a:t>for Cloud Computing</a:t>
+              <a:t>Develop an Intrusion Recovery System for Cloud Computing</a:t>
             </a:r>
           </a:p>
           <a:p>
